--- a/FrontEnd/Week6/Week 6.pptx
+++ b/FrontEnd/Week6/Week 6.pptx
@@ -260,7 +260,7 @@
           <a:p>
             <a:fld id="{F28A4246-F2A7-4220-A405-8A96DAE08D6A}" type="datetimeFigureOut">
               <a:rPr lang="en-US" smtClean="0"/>
-              <a:t>10/3/24</a:t>
+              <a:t>2/3/2025</a:t>
             </a:fld>
             <a:endParaRPr lang="en-US"/>
           </a:p>
@@ -430,7 +430,7 @@
           <a:p>
             <a:fld id="{F28A4246-F2A7-4220-A405-8A96DAE08D6A}" type="datetimeFigureOut">
               <a:rPr lang="en-US" smtClean="0"/>
-              <a:t>10/3/24</a:t>
+              <a:t>2/3/2025</a:t>
             </a:fld>
             <a:endParaRPr lang="en-US"/>
           </a:p>
@@ -610,7 +610,7 @@
           <a:p>
             <a:fld id="{F28A4246-F2A7-4220-A405-8A96DAE08D6A}" type="datetimeFigureOut">
               <a:rPr lang="en-US" smtClean="0"/>
-              <a:t>10/3/24</a:t>
+              <a:t>2/3/2025</a:t>
             </a:fld>
             <a:endParaRPr lang="en-US"/>
           </a:p>
@@ -780,7 +780,7 @@
           <a:p>
             <a:fld id="{F28A4246-F2A7-4220-A405-8A96DAE08D6A}" type="datetimeFigureOut">
               <a:rPr lang="en-US" smtClean="0"/>
-              <a:t>10/3/24</a:t>
+              <a:t>2/3/2025</a:t>
             </a:fld>
             <a:endParaRPr lang="en-US"/>
           </a:p>
@@ -1026,7 +1026,7 @@
           <a:p>
             <a:fld id="{F28A4246-F2A7-4220-A405-8A96DAE08D6A}" type="datetimeFigureOut">
               <a:rPr lang="en-US" smtClean="0"/>
-              <a:t>10/3/24</a:t>
+              <a:t>2/3/2025</a:t>
             </a:fld>
             <a:endParaRPr lang="en-US"/>
           </a:p>
@@ -1258,7 +1258,7 @@
           <a:p>
             <a:fld id="{F28A4246-F2A7-4220-A405-8A96DAE08D6A}" type="datetimeFigureOut">
               <a:rPr lang="en-US" smtClean="0"/>
-              <a:t>10/3/24</a:t>
+              <a:t>2/3/2025</a:t>
             </a:fld>
             <a:endParaRPr lang="en-US"/>
           </a:p>
@@ -1625,7 +1625,7 @@
           <a:p>
             <a:fld id="{F28A4246-F2A7-4220-A405-8A96DAE08D6A}" type="datetimeFigureOut">
               <a:rPr lang="en-US" smtClean="0"/>
-              <a:t>10/3/24</a:t>
+              <a:t>2/3/2025</a:t>
             </a:fld>
             <a:endParaRPr lang="en-US"/>
           </a:p>
@@ -1743,7 +1743,7 @@
           <a:p>
             <a:fld id="{F28A4246-F2A7-4220-A405-8A96DAE08D6A}" type="datetimeFigureOut">
               <a:rPr lang="en-US" smtClean="0"/>
-              <a:t>10/3/24</a:t>
+              <a:t>2/3/2025</a:t>
             </a:fld>
             <a:endParaRPr lang="en-US"/>
           </a:p>
@@ -1838,7 +1838,7 @@
           <a:p>
             <a:fld id="{F28A4246-F2A7-4220-A405-8A96DAE08D6A}" type="datetimeFigureOut">
               <a:rPr lang="en-US" smtClean="0"/>
-              <a:t>10/3/24</a:t>
+              <a:t>2/3/2025</a:t>
             </a:fld>
             <a:endParaRPr lang="en-US"/>
           </a:p>
@@ -2115,7 +2115,7 @@
           <a:p>
             <a:fld id="{F28A4246-F2A7-4220-A405-8A96DAE08D6A}" type="datetimeFigureOut">
               <a:rPr lang="en-US" smtClean="0"/>
-              <a:t>10/3/24</a:t>
+              <a:t>2/3/2025</a:t>
             </a:fld>
             <a:endParaRPr lang="en-US"/>
           </a:p>
@@ -2372,7 +2372,7 @@
           <a:p>
             <a:fld id="{F28A4246-F2A7-4220-A405-8A96DAE08D6A}" type="datetimeFigureOut">
               <a:rPr lang="en-US" smtClean="0"/>
-              <a:t>10/3/24</a:t>
+              <a:t>2/3/2025</a:t>
             </a:fld>
             <a:endParaRPr lang="en-US"/>
           </a:p>
@@ -2585,7 +2585,7 @@
           <a:p>
             <a:fld id="{F28A4246-F2A7-4220-A405-8A96DAE08D6A}" type="datetimeFigureOut">
               <a:rPr lang="en-US" smtClean="0"/>
-              <a:t>10/3/24</a:t>
+              <a:t>2/3/2025</a:t>
             </a:fld>
             <a:endParaRPr lang="en-US"/>
           </a:p>
